--- a/assets/Slides (2024)/pptx/1-clean-code.pptx
+++ b/assets/Slides (2024)/pptx/1-clean-code.pptx
@@ -255,7 +255,7 @@
           <a:p>
             <a:fld id="{D7148412-6EB1-4CDB-8883-593CA168A782}" type="datetimeFigureOut">
               <a:rPr lang="en-SE" smtClean="0"/>
-              <a:t>2024-10-27</a:t>
+              <a:t>2024-10-28</a:t>
             </a:fld>
             <a:endParaRPr lang="en-SE"/>
           </a:p>
@@ -425,7 +425,7 @@
           <a:p>
             <a:fld id="{D7148412-6EB1-4CDB-8883-593CA168A782}" type="datetimeFigureOut">
               <a:rPr lang="en-SE" smtClean="0"/>
-              <a:t>2024-10-27</a:t>
+              <a:t>2024-10-28</a:t>
             </a:fld>
             <a:endParaRPr lang="en-SE"/>
           </a:p>
@@ -605,7 +605,7 @@
           <a:p>
             <a:fld id="{D7148412-6EB1-4CDB-8883-593CA168A782}" type="datetimeFigureOut">
               <a:rPr lang="en-SE" smtClean="0"/>
-              <a:t>2024-10-27</a:t>
+              <a:t>2024-10-28</a:t>
             </a:fld>
             <a:endParaRPr lang="en-SE"/>
           </a:p>
@@ -775,7 +775,7 @@
           <a:p>
             <a:fld id="{D7148412-6EB1-4CDB-8883-593CA168A782}" type="datetimeFigureOut">
               <a:rPr lang="en-SE" smtClean="0"/>
-              <a:t>2024-10-27</a:t>
+              <a:t>2024-10-28</a:t>
             </a:fld>
             <a:endParaRPr lang="en-SE"/>
           </a:p>
@@ -1021,7 +1021,7 @@
           <a:p>
             <a:fld id="{D7148412-6EB1-4CDB-8883-593CA168A782}" type="datetimeFigureOut">
               <a:rPr lang="en-SE" smtClean="0"/>
-              <a:t>2024-10-27</a:t>
+              <a:t>2024-10-28</a:t>
             </a:fld>
             <a:endParaRPr lang="en-SE"/>
           </a:p>
@@ -1253,7 +1253,7 @@
           <a:p>
             <a:fld id="{D7148412-6EB1-4CDB-8883-593CA168A782}" type="datetimeFigureOut">
               <a:rPr lang="en-SE" smtClean="0"/>
-              <a:t>2024-10-27</a:t>
+              <a:t>2024-10-28</a:t>
             </a:fld>
             <a:endParaRPr lang="en-SE"/>
           </a:p>
@@ -1620,7 +1620,7 @@
           <a:p>
             <a:fld id="{D7148412-6EB1-4CDB-8883-593CA168A782}" type="datetimeFigureOut">
               <a:rPr lang="en-SE" smtClean="0"/>
-              <a:t>2024-10-27</a:t>
+              <a:t>2024-10-28</a:t>
             </a:fld>
             <a:endParaRPr lang="en-SE"/>
           </a:p>
@@ -1738,7 +1738,7 @@
           <a:p>
             <a:fld id="{D7148412-6EB1-4CDB-8883-593CA168A782}" type="datetimeFigureOut">
               <a:rPr lang="en-SE" smtClean="0"/>
-              <a:t>2024-10-27</a:t>
+              <a:t>2024-10-28</a:t>
             </a:fld>
             <a:endParaRPr lang="en-SE"/>
           </a:p>
@@ -1833,7 +1833,7 @@
           <a:p>
             <a:fld id="{D7148412-6EB1-4CDB-8883-593CA168A782}" type="datetimeFigureOut">
               <a:rPr lang="en-SE" smtClean="0"/>
-              <a:t>2024-10-27</a:t>
+              <a:t>2024-10-28</a:t>
             </a:fld>
             <a:endParaRPr lang="en-SE"/>
           </a:p>
@@ -2110,7 +2110,7 @@
           <a:p>
             <a:fld id="{D7148412-6EB1-4CDB-8883-593CA168A782}" type="datetimeFigureOut">
               <a:rPr lang="en-SE" smtClean="0"/>
-              <a:t>2024-10-27</a:t>
+              <a:t>2024-10-28</a:t>
             </a:fld>
             <a:endParaRPr lang="en-SE"/>
           </a:p>
@@ -2367,7 +2367,7 @@
           <a:p>
             <a:fld id="{D7148412-6EB1-4CDB-8883-593CA168A782}" type="datetimeFigureOut">
               <a:rPr lang="en-SE" smtClean="0"/>
-              <a:t>2024-10-27</a:t>
+              <a:t>2024-10-28</a:t>
             </a:fld>
             <a:endParaRPr lang="en-SE"/>
           </a:p>
@@ -2580,7 +2580,7 @@
           <a:p>
             <a:fld id="{D7148412-6EB1-4CDB-8883-593CA168A782}" type="datetimeFigureOut">
               <a:rPr lang="en-SE" smtClean="0"/>
-              <a:t>2024-10-27</a:t>
+              <a:t>2024-10-28</a:t>
             </a:fld>
             <a:endParaRPr lang="en-SE"/>
           </a:p>
@@ -3012,16 +3012,12 @@
           <a:lstStyle/>
           <a:p>
             <a:r>
-              <a:rPr lang="sv-SE"/>
+              <a:rPr lang="sv-SE" dirty="0"/>
               <a:t>Clean Code</a:t>
             </a:r>
             <a:br>
-              <a:rPr lang="sv-SE"/>
+              <a:rPr lang="sv-SE" dirty="0"/>
             </a:br>
-            <a:r>
-              <a:rPr lang="sv-SE" sz="1200"/>
-              <a:t>Seph Heravi</a:t>
-            </a:r>
             <a:endParaRPr lang="en-SE" sz="1200" dirty="0"/>
           </a:p>
         </p:txBody>

--- a/assets/Slides (2024)/pptx/1-clean-code.pptx
+++ b/assets/Slides (2024)/pptx/1-clean-code.pptx
@@ -13,11 +13,9 @@
     <p:sldId id="262" r:id="rId7"/>
     <p:sldId id="263" r:id="rId8"/>
     <p:sldId id="264" r:id="rId9"/>
-    <p:sldId id="265" r:id="rId10"/>
-    <p:sldId id="266" r:id="rId11"/>
-    <p:sldId id="267" r:id="rId12"/>
-    <p:sldId id="268" r:id="rId13"/>
-    <p:sldId id="269" r:id="rId14"/>
+    <p:sldId id="267" r:id="rId10"/>
+    <p:sldId id="268" r:id="rId11"/>
+    <p:sldId id="269" r:id="rId12"/>
   </p:sldIdLst>
   <p:sldSz cx="12192000" cy="6858000"/>
   <p:notesSz cx="6858000" cy="9144000"/>
@@ -3043,204 +3041,6 @@
         <p:cNvPr id="1" name="">
           <a:extLst>
             <a:ext uri="{FF2B5EF4-FFF2-40B4-BE49-F238E27FC236}">
-              <a16:creationId xmlns:a16="http://schemas.microsoft.com/office/drawing/2014/main" id="{A5645EB1-060A-DFE5-315E-69ECC6DC4DB9}"/>
-            </a:ext>
-          </a:extLst>
-        </p:cNvPr>
-        <p:cNvGrpSpPr/>
-        <p:nvPr/>
-      </p:nvGrpSpPr>
-      <p:grpSpPr>
-        <a:xfrm>
-          <a:off x="0" y="0"/>
-          <a:ext cx="0" cy="0"/>
-          <a:chOff x="0" y="0"/>
-          <a:chExt cx="0" cy="0"/>
-        </a:xfrm>
-      </p:grpSpPr>
-      <p:sp>
-        <p:nvSpPr>
-          <p:cNvPr id="4" name="Title 3">
-            <a:extLst>
-              <a:ext uri="{FF2B5EF4-FFF2-40B4-BE49-F238E27FC236}">
-                <a16:creationId xmlns:a16="http://schemas.microsoft.com/office/drawing/2014/main" id="{B91A805E-099F-BB33-FA2D-8032DF4DC438}"/>
-              </a:ext>
-            </a:extLst>
-          </p:cNvPr>
-          <p:cNvSpPr>
-            <a:spLocks noGrp="1"/>
-          </p:cNvSpPr>
-          <p:nvPr>
-            <p:ph type="title"/>
-          </p:nvPr>
-        </p:nvSpPr>
-        <p:spPr/>
-        <p:txBody>
-          <a:bodyPr/>
-          <a:lstStyle/>
-          <a:p>
-            <a:r>
-              <a:rPr lang="sv-SE" dirty="0"/>
-              <a:t>Skillnad mellan TDD och BDD</a:t>
-            </a:r>
-            <a:endParaRPr lang="en-SE" dirty="0"/>
-          </a:p>
-        </p:txBody>
-      </p:sp>
-      <p:sp>
-        <p:nvSpPr>
-          <p:cNvPr id="5" name="Content Placeholder 4">
-            <a:extLst>
-              <a:ext uri="{FF2B5EF4-FFF2-40B4-BE49-F238E27FC236}">
-                <a16:creationId xmlns:a16="http://schemas.microsoft.com/office/drawing/2014/main" id="{2B82C46D-BAD0-87EB-B68F-E9EB03A7A971}"/>
-              </a:ext>
-            </a:extLst>
-          </p:cNvPr>
-          <p:cNvSpPr>
-            <a:spLocks noGrp="1"/>
-          </p:cNvSpPr>
-          <p:nvPr>
-            <p:ph idx="1"/>
-          </p:nvPr>
-        </p:nvSpPr>
-        <p:spPr/>
-        <p:txBody>
-          <a:bodyPr/>
-          <a:lstStyle/>
-          <a:p>
-            <a:pPr marL="0" indent="0">
-              <a:buNone/>
-            </a:pPr>
-            <a:r>
-              <a:rPr lang="sv-SE" dirty="0">
-                <a:hlinkClick r:id="rId2"/>
-              </a:rPr>
-              <a:t>https://github.com/z3ph1/CleanCode-NET23/tree/master/assets/Slides%20(2024)/pdf/6-diff-tdd-bdd.pdf</a:t>
-            </a:r>
-            <a:endParaRPr lang="sv-SE" dirty="0"/>
-          </a:p>
-        </p:txBody>
-      </p:sp>
-    </p:spTree>
-    <p:extLst>
-      <p:ext uri="{BB962C8B-B14F-4D97-AF65-F5344CB8AC3E}">
-        <p14:creationId xmlns:p14="http://schemas.microsoft.com/office/powerpoint/2010/main" val="3983428025"/>
-      </p:ext>
-    </p:extLst>
-  </p:cSld>
-  <p:clrMapOvr>
-    <a:masterClrMapping/>
-  </p:clrMapOvr>
-</p:sld>
-</file>
-
-<file path=ppt/slides/slide11.xml><?xml version="1.0" encoding="utf-8"?>
-<p:sld xmlns:a="http://schemas.openxmlformats.org/drawingml/2006/main" xmlns:r="http://schemas.openxmlformats.org/officeDocument/2006/relationships" xmlns:p="http://schemas.openxmlformats.org/presentationml/2006/main">
-  <p:cSld>
-    <p:spTree>
-      <p:nvGrpSpPr>
-        <p:cNvPr id="1" name="">
-          <a:extLst>
-            <a:ext uri="{FF2B5EF4-FFF2-40B4-BE49-F238E27FC236}">
-              <a16:creationId xmlns:a16="http://schemas.microsoft.com/office/drawing/2014/main" id="{D82D4D06-962E-96F4-124B-9FA6D660E0B2}"/>
-            </a:ext>
-          </a:extLst>
-        </p:cNvPr>
-        <p:cNvGrpSpPr/>
-        <p:nvPr/>
-      </p:nvGrpSpPr>
-      <p:grpSpPr>
-        <a:xfrm>
-          <a:off x="0" y="0"/>
-          <a:ext cx="0" cy="0"/>
-          <a:chOff x="0" y="0"/>
-          <a:chExt cx="0" cy="0"/>
-        </a:xfrm>
-      </p:grpSpPr>
-      <p:sp>
-        <p:nvSpPr>
-          <p:cNvPr id="4" name="Title 3">
-            <a:extLst>
-              <a:ext uri="{FF2B5EF4-FFF2-40B4-BE49-F238E27FC236}">
-                <a16:creationId xmlns:a16="http://schemas.microsoft.com/office/drawing/2014/main" id="{DBED939C-2334-FB34-B0DB-3E47440EBF1E}"/>
-              </a:ext>
-            </a:extLst>
-          </p:cNvPr>
-          <p:cNvSpPr>
-            <a:spLocks noGrp="1"/>
-          </p:cNvSpPr>
-          <p:nvPr>
-            <p:ph type="title"/>
-          </p:nvPr>
-        </p:nvSpPr>
-        <p:spPr/>
-        <p:txBody>
-          <a:bodyPr/>
-          <a:lstStyle/>
-          <a:p>
-            <a:r>
-              <a:rPr lang="sv-SE" dirty="0"/>
-              <a:t>Design Patterns</a:t>
-            </a:r>
-            <a:endParaRPr lang="en-SE" dirty="0"/>
-          </a:p>
-        </p:txBody>
-      </p:sp>
-      <p:sp>
-        <p:nvSpPr>
-          <p:cNvPr id="5" name="Content Placeholder 4">
-            <a:extLst>
-              <a:ext uri="{FF2B5EF4-FFF2-40B4-BE49-F238E27FC236}">
-                <a16:creationId xmlns:a16="http://schemas.microsoft.com/office/drawing/2014/main" id="{65FC54EE-03CA-71D1-E6E6-71FA7F9980D1}"/>
-              </a:ext>
-            </a:extLst>
-          </p:cNvPr>
-          <p:cNvSpPr>
-            <a:spLocks noGrp="1"/>
-          </p:cNvSpPr>
-          <p:nvPr>
-            <p:ph idx="1"/>
-          </p:nvPr>
-        </p:nvSpPr>
-        <p:spPr/>
-        <p:txBody>
-          <a:bodyPr/>
-          <a:lstStyle/>
-          <a:p>
-            <a:pPr marL="0" indent="0">
-              <a:buNone/>
-            </a:pPr>
-            <a:r>
-              <a:rPr lang="sv-SE" dirty="0">
-                <a:hlinkClick r:id="rId2"/>
-              </a:rPr>
-              <a:t>https://github.com/z3ph1/CleanCode-NET23/tree/master/assets/Slides%20(2024)/pdf/7-design-patterns.pdf</a:t>
-            </a:r>
-            <a:endParaRPr lang="sv-SE" dirty="0"/>
-          </a:p>
-        </p:txBody>
-      </p:sp>
-    </p:spTree>
-    <p:extLst>
-      <p:ext uri="{BB962C8B-B14F-4D97-AF65-F5344CB8AC3E}">
-        <p14:creationId xmlns:p14="http://schemas.microsoft.com/office/powerpoint/2010/main" val="3085423088"/>
-      </p:ext>
-    </p:extLst>
-  </p:cSld>
-  <p:clrMapOvr>
-    <a:masterClrMapping/>
-  </p:clrMapOvr>
-</p:sld>
-</file>
-
-<file path=ppt/slides/slide12.xml><?xml version="1.0" encoding="utf-8"?>
-<p:sld xmlns:a="http://schemas.openxmlformats.org/drawingml/2006/main" xmlns:r="http://schemas.openxmlformats.org/officeDocument/2006/relationships" xmlns:p="http://schemas.openxmlformats.org/presentationml/2006/main">
-  <p:cSld>
-    <p:spTree>
-      <p:nvGrpSpPr>
-        <p:cNvPr id="1" name="">
-          <a:extLst>
-            <a:ext uri="{FF2B5EF4-FFF2-40B4-BE49-F238E27FC236}">
               <a16:creationId xmlns:a16="http://schemas.microsoft.com/office/drawing/2014/main" id="{808C42F2-B716-B5CA-E6AB-78ADA05C3A84}"/>
             </a:ext>
           </a:extLst>
@@ -3279,7 +3079,7 @@
           <a:p>
             <a:r>
               <a:rPr lang="sv-SE" dirty="0"/>
-              <a:t>Service-Oriented Arcitecture, Microservices</a:t>
+              <a:t>5. Service-Oriented Arcitecture, Microservices</a:t>
             </a:r>
           </a:p>
         </p:txBody>
@@ -3312,7 +3112,7 @@
               <a:rPr lang="sv-SE" dirty="0">
                 <a:hlinkClick r:id="rId2"/>
               </a:rPr>
-              <a:t>https://github.com/z3ph1/CleanCode-NET23/tree/master/assets/Slides%20(2024)/pdf/8-soa-microservices.pdf</a:t>
+              <a:t>https://github.com/z3ph1/CleanCode-NET23/tree/master/assets/Slides%20(2024)/pdf/8-micro-services-soa.pdf</a:t>
             </a:r>
             <a:endParaRPr lang="sv-SE" dirty="0"/>
           </a:p>
@@ -3331,7 +3131,7 @@
 </p:sld>
 </file>
 
-<file path=ppt/slides/slide13.xml><?xml version="1.0" encoding="utf-8"?>
+<file path=ppt/slides/slide11.xml><?xml version="1.0" encoding="utf-8"?>
 <p:sld xmlns:a="http://schemas.openxmlformats.org/drawingml/2006/main" xmlns:r="http://schemas.openxmlformats.org/officeDocument/2006/relationships" xmlns:p="http://schemas.openxmlformats.org/presentationml/2006/main">
   <p:cSld>
     <p:spTree>
@@ -3377,7 +3177,7 @@
           <a:p>
             <a:r>
               <a:rPr lang="sv-SE" dirty="0"/>
-              <a:t>Containers</a:t>
+              <a:t>6. Containers</a:t>
             </a:r>
           </a:p>
         </p:txBody>
@@ -3813,7 +3613,9 @@
         </p:nvSpPr>
         <p:spPr/>
         <p:txBody>
-          <a:bodyPr/>
+          <a:bodyPr>
+            <a:normAutofit/>
+          </a:bodyPr>
           <a:lstStyle/>
           <a:p>
             <a:pPr marL="514350" indent="-514350">
@@ -3821,12 +3623,8 @@
               <a:buAutoNum type="arabicPeriod"/>
             </a:pPr>
             <a:r>
-              <a:rPr lang="sv-SE"/>
-              <a:t>Name </a:t>
-            </a:r>
-            <a:r>
-              <a:rPr lang="sv-SE" dirty="0"/>
-              <a:t>Conventions </a:t>
+              <a:rPr lang="sv-SE" sz="2400" dirty="0"/>
+              <a:t>Name Conventions </a:t>
             </a:r>
           </a:p>
           <a:p>
@@ -3835,7 +3633,7 @@
               <a:buAutoNum type="arabicPeriod"/>
             </a:pPr>
             <a:r>
-              <a:rPr lang="sv-SE" dirty="0"/>
+              <a:rPr lang="sv-SE" sz="2400" dirty="0"/>
               <a:t>Design Principles</a:t>
             </a:r>
           </a:p>
@@ -3845,8 +3643,8 @@
               <a:buAutoNum type="arabicPeriod"/>
             </a:pPr>
             <a:r>
-              <a:rPr lang="sv-SE" dirty="0"/>
-              <a:t>Test Driven Development, Behaviour Driven Development</a:t>
+              <a:rPr lang="sv-SE" sz="2400" dirty="0"/>
+              <a:t>Test Driven Development (TDD), Behaviour Driven Development (BDD)</a:t>
             </a:r>
           </a:p>
           <a:p>
@@ -3855,7 +3653,7 @@
               <a:buAutoNum type="arabicPeriod"/>
             </a:pPr>
             <a:r>
-              <a:rPr lang="sv-SE" dirty="0"/>
+              <a:rPr lang="sv-SE" sz="2400" dirty="0"/>
               <a:t>Design Patterns</a:t>
             </a:r>
           </a:p>
@@ -3865,8 +3663,8 @@
               <a:buAutoNum type="arabicPeriod"/>
             </a:pPr>
             <a:r>
-              <a:rPr lang="sv-SE" dirty="0"/>
-              <a:t>Service-Oriented Arcitecture, Microservices</a:t>
+              <a:rPr lang="sv-SE" sz="2400" dirty="0"/>
+              <a:t>Micro Services, Service-Oriented Arcitecture (SOA)</a:t>
             </a:r>
           </a:p>
           <a:p>
@@ -3875,7 +3673,7 @@
               <a:buAutoNum type="arabicPeriod"/>
             </a:pPr>
             <a:r>
-              <a:rPr lang="sv-SE" dirty="0"/>
+              <a:rPr lang="sv-SE" sz="2400" dirty="0"/>
               <a:t>Containers</a:t>
             </a:r>
           </a:p>
@@ -3884,7 +3682,7 @@
               <a:buFont typeface="+mj-lt"/>
               <a:buAutoNum type="arabicPeriod"/>
             </a:pPr>
-            <a:endParaRPr lang="sv-SE" dirty="0"/>
+            <a:endParaRPr lang="sv-SE" sz="2400" dirty="0"/>
           </a:p>
         </p:txBody>
       </p:sp>
@@ -3947,7 +3745,7 @@
           <a:p>
             <a:r>
               <a:rPr lang="sv-SE" dirty="0"/>
-              <a:t>Name Conventions</a:t>
+              <a:t>1. Name Conventions</a:t>
             </a:r>
             <a:endParaRPr lang="en-SE" dirty="0"/>
           </a:p>
@@ -4046,7 +3844,7 @@
           <a:p>
             <a:r>
               <a:rPr lang="sv-SE" dirty="0"/>
-              <a:t>Design Principles</a:t>
+              <a:t>2. Design Principles</a:t>
             </a:r>
             <a:endParaRPr lang="en-SE" dirty="0"/>
           </a:p>
@@ -4145,7 +3943,7 @@
           <a:p>
             <a:r>
               <a:rPr lang="sv-SE" dirty="0"/>
-              <a:t>Test Driven Development</a:t>
+              <a:t>3. Test Driven Development</a:t>
             </a:r>
             <a:endParaRPr lang="en-SE" dirty="0"/>
           </a:p>
@@ -4169,19 +3967,543 @@
         </p:nvSpPr>
         <p:spPr/>
         <p:txBody>
-          <a:bodyPr/>
+          <a:bodyPr>
+            <a:normAutofit/>
+          </a:bodyPr>
           <a:lstStyle/>
           <a:p>
             <a:pPr marL="0" indent="0">
               <a:buNone/>
             </a:pPr>
             <a:r>
-              <a:rPr lang="sv-SE" dirty="0">
+              <a:rPr lang="sv-SE" sz="1800" dirty="0">
                 <a:hlinkClick r:id="rId2"/>
               </a:rPr>
               <a:t>https://github.com/z3ph1/CleanCode-NET23/tree/master/assets/Slides%20(2024)/pdf/4-tdd.pdf</a:t>
             </a:r>
-            <a:endParaRPr lang="sv-SE" dirty="0"/>
+            <a:endParaRPr lang="sv-SE" sz="1800" dirty="0"/>
+          </a:p>
+        </p:txBody>
+      </p:sp>
+      <p:sp>
+        <p:nvSpPr>
+          <p:cNvPr id="2" name="Title 3">
+            <a:extLst>
+              <a:ext uri="{FF2B5EF4-FFF2-40B4-BE49-F238E27FC236}">
+                <a16:creationId xmlns:a16="http://schemas.microsoft.com/office/drawing/2014/main" id="{590DE43D-A134-0602-D48C-DA5AB3EFC26C}"/>
+              </a:ext>
+            </a:extLst>
+          </p:cNvPr>
+          <p:cNvSpPr txBox="1">
+            <a:spLocks/>
+          </p:cNvSpPr>
+          <p:nvPr/>
+        </p:nvSpPr>
+        <p:spPr>
+          <a:xfrm>
+            <a:off x="838200" y="2316851"/>
+            <a:ext cx="10515600" cy="1325563"/>
+          </a:xfrm>
+          <a:prstGeom prst="rect">
+            <a:avLst/>
+          </a:prstGeom>
+        </p:spPr>
+        <p:txBody>
+          <a:bodyPr vert="horz" lIns="91440" tIns="45720" rIns="91440" bIns="45720" rtlCol="0" anchor="ctr">
+            <a:normAutofit/>
+          </a:bodyPr>
+          <a:lstStyle>
+            <a:lvl1pPr algn="l" defTabSz="914400" rtl="0" eaLnBrk="1" latinLnBrk="0" hangingPunct="1">
+              <a:lnSpc>
+                <a:spcPct val="90000"/>
+              </a:lnSpc>
+              <a:spcBef>
+                <a:spcPct val="0"/>
+              </a:spcBef>
+              <a:buNone/>
+              <a:defRPr sz="4400" kern="1200">
+                <a:solidFill>
+                  <a:schemeClr val="tx1"/>
+                </a:solidFill>
+                <a:latin typeface="+mj-lt"/>
+                <a:ea typeface="+mj-ea"/>
+                <a:cs typeface="+mj-cs"/>
+              </a:defRPr>
+            </a:lvl1pPr>
+          </a:lstStyle>
+          <a:p>
+            <a:r>
+              <a:rPr lang="sv-SE" dirty="0"/>
+              <a:t>Behaviour Driven Development</a:t>
+            </a:r>
+            <a:endParaRPr lang="en-SE" dirty="0"/>
+          </a:p>
+        </p:txBody>
+      </p:sp>
+      <p:sp>
+        <p:nvSpPr>
+          <p:cNvPr id="3" name="Content Placeholder 4">
+            <a:extLst>
+              <a:ext uri="{FF2B5EF4-FFF2-40B4-BE49-F238E27FC236}">
+                <a16:creationId xmlns:a16="http://schemas.microsoft.com/office/drawing/2014/main" id="{F6C28CBC-DAFC-5C97-7E13-4DF4899C9934}"/>
+              </a:ext>
+            </a:extLst>
+          </p:cNvPr>
+          <p:cNvSpPr txBox="1">
+            <a:spLocks/>
+          </p:cNvSpPr>
+          <p:nvPr/>
+        </p:nvSpPr>
+        <p:spPr>
+          <a:xfrm>
+            <a:off x="838200" y="3777351"/>
+            <a:ext cx="10515600" cy="4351338"/>
+          </a:xfrm>
+          <a:prstGeom prst="rect">
+            <a:avLst/>
+          </a:prstGeom>
+        </p:spPr>
+        <p:txBody>
+          <a:bodyPr vert="horz" lIns="91440" tIns="45720" rIns="91440" bIns="45720" rtlCol="0">
+            <a:normAutofit/>
+          </a:bodyPr>
+          <a:lstStyle>
+            <a:lvl1pPr marL="228600" indent="-228600" algn="l" defTabSz="914400" rtl="0" eaLnBrk="1" latinLnBrk="0" hangingPunct="1">
+              <a:lnSpc>
+                <a:spcPct val="90000"/>
+              </a:lnSpc>
+              <a:spcBef>
+                <a:spcPts val="1000"/>
+              </a:spcBef>
+              <a:buFont typeface="Arial" panose="020B0604020202020204" pitchFamily="34" charset="0"/>
+              <a:buChar char="•"/>
+              <a:defRPr sz="2800" kern="1200">
+                <a:solidFill>
+                  <a:schemeClr val="tx1"/>
+                </a:solidFill>
+                <a:latin typeface="+mn-lt"/>
+                <a:ea typeface="+mn-ea"/>
+                <a:cs typeface="+mn-cs"/>
+              </a:defRPr>
+            </a:lvl1pPr>
+            <a:lvl2pPr marL="685800" indent="-228600" algn="l" defTabSz="914400" rtl="0" eaLnBrk="1" latinLnBrk="0" hangingPunct="1">
+              <a:lnSpc>
+                <a:spcPct val="90000"/>
+              </a:lnSpc>
+              <a:spcBef>
+                <a:spcPts val="500"/>
+              </a:spcBef>
+              <a:buFont typeface="Arial" panose="020B0604020202020204" pitchFamily="34" charset="0"/>
+              <a:buChar char="•"/>
+              <a:defRPr sz="2400" kern="1200">
+                <a:solidFill>
+                  <a:schemeClr val="tx1"/>
+                </a:solidFill>
+                <a:latin typeface="+mn-lt"/>
+                <a:ea typeface="+mn-ea"/>
+                <a:cs typeface="+mn-cs"/>
+              </a:defRPr>
+            </a:lvl2pPr>
+            <a:lvl3pPr marL="1143000" indent="-228600" algn="l" defTabSz="914400" rtl="0" eaLnBrk="1" latinLnBrk="0" hangingPunct="1">
+              <a:lnSpc>
+                <a:spcPct val="90000"/>
+              </a:lnSpc>
+              <a:spcBef>
+                <a:spcPts val="500"/>
+              </a:spcBef>
+              <a:buFont typeface="Arial" panose="020B0604020202020204" pitchFamily="34" charset="0"/>
+              <a:buChar char="•"/>
+              <a:defRPr sz="2000" kern="1200">
+                <a:solidFill>
+                  <a:schemeClr val="tx1"/>
+                </a:solidFill>
+                <a:latin typeface="+mn-lt"/>
+                <a:ea typeface="+mn-ea"/>
+                <a:cs typeface="+mn-cs"/>
+              </a:defRPr>
+            </a:lvl3pPr>
+            <a:lvl4pPr marL="1600200" indent="-228600" algn="l" defTabSz="914400" rtl="0" eaLnBrk="1" latinLnBrk="0" hangingPunct="1">
+              <a:lnSpc>
+                <a:spcPct val="90000"/>
+              </a:lnSpc>
+              <a:spcBef>
+                <a:spcPts val="500"/>
+              </a:spcBef>
+              <a:buFont typeface="Arial" panose="020B0604020202020204" pitchFamily="34" charset="0"/>
+              <a:buChar char="•"/>
+              <a:defRPr sz="1800" kern="1200">
+                <a:solidFill>
+                  <a:schemeClr val="tx1"/>
+                </a:solidFill>
+                <a:latin typeface="+mn-lt"/>
+                <a:ea typeface="+mn-ea"/>
+                <a:cs typeface="+mn-cs"/>
+              </a:defRPr>
+            </a:lvl4pPr>
+            <a:lvl5pPr marL="2057400" indent="-228600" algn="l" defTabSz="914400" rtl="0" eaLnBrk="1" latinLnBrk="0" hangingPunct="1">
+              <a:lnSpc>
+                <a:spcPct val="90000"/>
+              </a:lnSpc>
+              <a:spcBef>
+                <a:spcPts val="500"/>
+              </a:spcBef>
+              <a:buFont typeface="Arial" panose="020B0604020202020204" pitchFamily="34" charset="0"/>
+              <a:buChar char="•"/>
+              <a:defRPr sz="1800" kern="1200">
+                <a:solidFill>
+                  <a:schemeClr val="tx1"/>
+                </a:solidFill>
+                <a:latin typeface="+mn-lt"/>
+                <a:ea typeface="+mn-ea"/>
+                <a:cs typeface="+mn-cs"/>
+              </a:defRPr>
+            </a:lvl5pPr>
+            <a:lvl6pPr marL="2514600" indent="-228600" algn="l" defTabSz="914400" rtl="0" eaLnBrk="1" latinLnBrk="0" hangingPunct="1">
+              <a:lnSpc>
+                <a:spcPct val="90000"/>
+              </a:lnSpc>
+              <a:spcBef>
+                <a:spcPts val="500"/>
+              </a:spcBef>
+              <a:buFont typeface="Arial" panose="020B0604020202020204" pitchFamily="34" charset="0"/>
+              <a:buChar char="•"/>
+              <a:defRPr sz="1800" kern="1200">
+                <a:solidFill>
+                  <a:schemeClr val="tx1"/>
+                </a:solidFill>
+                <a:latin typeface="+mn-lt"/>
+                <a:ea typeface="+mn-ea"/>
+                <a:cs typeface="+mn-cs"/>
+              </a:defRPr>
+            </a:lvl6pPr>
+            <a:lvl7pPr marL="2971800" indent="-228600" algn="l" defTabSz="914400" rtl="0" eaLnBrk="1" latinLnBrk="0" hangingPunct="1">
+              <a:lnSpc>
+                <a:spcPct val="90000"/>
+              </a:lnSpc>
+              <a:spcBef>
+                <a:spcPts val="500"/>
+              </a:spcBef>
+              <a:buFont typeface="Arial" panose="020B0604020202020204" pitchFamily="34" charset="0"/>
+              <a:buChar char="•"/>
+              <a:defRPr sz="1800" kern="1200">
+                <a:solidFill>
+                  <a:schemeClr val="tx1"/>
+                </a:solidFill>
+                <a:latin typeface="+mn-lt"/>
+                <a:ea typeface="+mn-ea"/>
+                <a:cs typeface="+mn-cs"/>
+              </a:defRPr>
+            </a:lvl7pPr>
+            <a:lvl8pPr marL="3429000" indent="-228600" algn="l" defTabSz="914400" rtl="0" eaLnBrk="1" latinLnBrk="0" hangingPunct="1">
+              <a:lnSpc>
+                <a:spcPct val="90000"/>
+              </a:lnSpc>
+              <a:spcBef>
+                <a:spcPts val="500"/>
+              </a:spcBef>
+              <a:buFont typeface="Arial" panose="020B0604020202020204" pitchFamily="34" charset="0"/>
+              <a:buChar char="•"/>
+              <a:defRPr sz="1800" kern="1200">
+                <a:solidFill>
+                  <a:schemeClr val="tx1"/>
+                </a:solidFill>
+                <a:latin typeface="+mn-lt"/>
+                <a:ea typeface="+mn-ea"/>
+                <a:cs typeface="+mn-cs"/>
+              </a:defRPr>
+            </a:lvl8pPr>
+            <a:lvl9pPr marL="3886200" indent="-228600" algn="l" defTabSz="914400" rtl="0" eaLnBrk="1" latinLnBrk="0" hangingPunct="1">
+              <a:lnSpc>
+                <a:spcPct val="90000"/>
+              </a:lnSpc>
+              <a:spcBef>
+                <a:spcPts val="500"/>
+              </a:spcBef>
+              <a:buFont typeface="Arial" panose="020B0604020202020204" pitchFamily="34" charset="0"/>
+              <a:buChar char="•"/>
+              <a:defRPr sz="1800" kern="1200">
+                <a:solidFill>
+                  <a:schemeClr val="tx1"/>
+                </a:solidFill>
+                <a:latin typeface="+mn-lt"/>
+                <a:ea typeface="+mn-ea"/>
+                <a:cs typeface="+mn-cs"/>
+              </a:defRPr>
+            </a:lvl9pPr>
+          </a:lstStyle>
+          <a:p>
+            <a:pPr marL="0" indent="0">
+              <a:buFont typeface="Arial" panose="020B0604020202020204" pitchFamily="34" charset="0"/>
+              <a:buNone/>
+            </a:pPr>
+            <a:r>
+              <a:rPr lang="sv-SE" sz="1800" dirty="0">
+                <a:hlinkClick r:id="rId3"/>
+              </a:rPr>
+              <a:t>https://github.com/z3ph1/CleanCode-NET23/tree/master/assets/Slides%20(2024)/pdf/5-bdd.pdf</a:t>
+            </a:r>
+            <a:endParaRPr lang="sv-SE" sz="1800" dirty="0"/>
+          </a:p>
+        </p:txBody>
+      </p:sp>
+      <p:sp>
+        <p:nvSpPr>
+          <p:cNvPr id="6" name="Title 3">
+            <a:extLst>
+              <a:ext uri="{FF2B5EF4-FFF2-40B4-BE49-F238E27FC236}">
+                <a16:creationId xmlns:a16="http://schemas.microsoft.com/office/drawing/2014/main" id="{3853615A-B5BD-752B-D25F-752371E45A5F}"/>
+              </a:ext>
+            </a:extLst>
+          </p:cNvPr>
+          <p:cNvSpPr txBox="1">
+            <a:spLocks/>
+          </p:cNvSpPr>
+          <p:nvPr/>
+        </p:nvSpPr>
+        <p:spPr>
+          <a:xfrm>
+            <a:off x="838200" y="4296037"/>
+            <a:ext cx="10515600" cy="1325563"/>
+          </a:xfrm>
+          <a:prstGeom prst="rect">
+            <a:avLst/>
+          </a:prstGeom>
+        </p:spPr>
+        <p:txBody>
+          <a:bodyPr vert="horz" lIns="91440" tIns="45720" rIns="91440" bIns="45720" rtlCol="0" anchor="ctr">
+            <a:normAutofit/>
+          </a:bodyPr>
+          <a:lstStyle>
+            <a:lvl1pPr algn="l" defTabSz="914400" rtl="0" eaLnBrk="1" latinLnBrk="0" hangingPunct="1">
+              <a:lnSpc>
+                <a:spcPct val="90000"/>
+              </a:lnSpc>
+              <a:spcBef>
+                <a:spcPct val="0"/>
+              </a:spcBef>
+              <a:buNone/>
+              <a:defRPr sz="4400" kern="1200">
+                <a:solidFill>
+                  <a:schemeClr val="tx1"/>
+                </a:solidFill>
+                <a:latin typeface="+mj-lt"/>
+                <a:ea typeface="+mj-ea"/>
+                <a:cs typeface="+mj-cs"/>
+              </a:defRPr>
+            </a:lvl1pPr>
+          </a:lstStyle>
+          <a:p>
+            <a:r>
+              <a:rPr lang="sv-SE" dirty="0"/>
+              <a:t>Skillnad mellan TDD och BDD</a:t>
+            </a:r>
+            <a:endParaRPr lang="en-SE" dirty="0"/>
+          </a:p>
+        </p:txBody>
+      </p:sp>
+      <p:sp>
+        <p:nvSpPr>
+          <p:cNvPr id="7" name="Content Placeholder 4">
+            <a:extLst>
+              <a:ext uri="{FF2B5EF4-FFF2-40B4-BE49-F238E27FC236}">
+                <a16:creationId xmlns:a16="http://schemas.microsoft.com/office/drawing/2014/main" id="{5EAA134E-535A-A865-763C-E5416FF6E9F2}"/>
+              </a:ext>
+            </a:extLst>
+          </p:cNvPr>
+          <p:cNvSpPr txBox="1">
+            <a:spLocks/>
+          </p:cNvSpPr>
+          <p:nvPr/>
+        </p:nvSpPr>
+        <p:spPr>
+          <a:xfrm>
+            <a:off x="838200" y="5756537"/>
+            <a:ext cx="10515600" cy="4351338"/>
+          </a:xfrm>
+          <a:prstGeom prst="rect">
+            <a:avLst/>
+          </a:prstGeom>
+        </p:spPr>
+        <p:txBody>
+          <a:bodyPr vert="horz" lIns="91440" tIns="45720" rIns="91440" bIns="45720" rtlCol="0">
+            <a:normAutofit/>
+          </a:bodyPr>
+          <a:lstStyle>
+            <a:lvl1pPr marL="228600" indent="-228600" algn="l" defTabSz="914400" rtl="0" eaLnBrk="1" latinLnBrk="0" hangingPunct="1">
+              <a:lnSpc>
+                <a:spcPct val="90000"/>
+              </a:lnSpc>
+              <a:spcBef>
+                <a:spcPts val="1000"/>
+              </a:spcBef>
+              <a:buFont typeface="Arial" panose="020B0604020202020204" pitchFamily="34" charset="0"/>
+              <a:buChar char="•"/>
+              <a:defRPr sz="2800" kern="1200">
+                <a:solidFill>
+                  <a:schemeClr val="tx1"/>
+                </a:solidFill>
+                <a:latin typeface="+mn-lt"/>
+                <a:ea typeface="+mn-ea"/>
+                <a:cs typeface="+mn-cs"/>
+              </a:defRPr>
+            </a:lvl1pPr>
+            <a:lvl2pPr marL="685800" indent="-228600" algn="l" defTabSz="914400" rtl="0" eaLnBrk="1" latinLnBrk="0" hangingPunct="1">
+              <a:lnSpc>
+                <a:spcPct val="90000"/>
+              </a:lnSpc>
+              <a:spcBef>
+                <a:spcPts val="500"/>
+              </a:spcBef>
+              <a:buFont typeface="Arial" panose="020B0604020202020204" pitchFamily="34" charset="0"/>
+              <a:buChar char="•"/>
+              <a:defRPr sz="2400" kern="1200">
+                <a:solidFill>
+                  <a:schemeClr val="tx1"/>
+                </a:solidFill>
+                <a:latin typeface="+mn-lt"/>
+                <a:ea typeface="+mn-ea"/>
+                <a:cs typeface="+mn-cs"/>
+              </a:defRPr>
+            </a:lvl2pPr>
+            <a:lvl3pPr marL="1143000" indent="-228600" algn="l" defTabSz="914400" rtl="0" eaLnBrk="1" latinLnBrk="0" hangingPunct="1">
+              <a:lnSpc>
+                <a:spcPct val="90000"/>
+              </a:lnSpc>
+              <a:spcBef>
+                <a:spcPts val="500"/>
+              </a:spcBef>
+              <a:buFont typeface="Arial" panose="020B0604020202020204" pitchFamily="34" charset="0"/>
+              <a:buChar char="•"/>
+              <a:defRPr sz="2000" kern="1200">
+                <a:solidFill>
+                  <a:schemeClr val="tx1"/>
+                </a:solidFill>
+                <a:latin typeface="+mn-lt"/>
+                <a:ea typeface="+mn-ea"/>
+                <a:cs typeface="+mn-cs"/>
+              </a:defRPr>
+            </a:lvl3pPr>
+            <a:lvl4pPr marL="1600200" indent="-228600" algn="l" defTabSz="914400" rtl="0" eaLnBrk="1" latinLnBrk="0" hangingPunct="1">
+              <a:lnSpc>
+                <a:spcPct val="90000"/>
+              </a:lnSpc>
+              <a:spcBef>
+                <a:spcPts val="500"/>
+              </a:spcBef>
+              <a:buFont typeface="Arial" panose="020B0604020202020204" pitchFamily="34" charset="0"/>
+              <a:buChar char="•"/>
+              <a:defRPr sz="1800" kern="1200">
+                <a:solidFill>
+                  <a:schemeClr val="tx1"/>
+                </a:solidFill>
+                <a:latin typeface="+mn-lt"/>
+                <a:ea typeface="+mn-ea"/>
+                <a:cs typeface="+mn-cs"/>
+              </a:defRPr>
+            </a:lvl4pPr>
+            <a:lvl5pPr marL="2057400" indent="-228600" algn="l" defTabSz="914400" rtl="0" eaLnBrk="1" latinLnBrk="0" hangingPunct="1">
+              <a:lnSpc>
+                <a:spcPct val="90000"/>
+              </a:lnSpc>
+              <a:spcBef>
+                <a:spcPts val="500"/>
+              </a:spcBef>
+              <a:buFont typeface="Arial" panose="020B0604020202020204" pitchFamily="34" charset="0"/>
+              <a:buChar char="•"/>
+              <a:defRPr sz="1800" kern="1200">
+                <a:solidFill>
+                  <a:schemeClr val="tx1"/>
+                </a:solidFill>
+                <a:latin typeface="+mn-lt"/>
+                <a:ea typeface="+mn-ea"/>
+                <a:cs typeface="+mn-cs"/>
+              </a:defRPr>
+            </a:lvl5pPr>
+            <a:lvl6pPr marL="2514600" indent="-228600" algn="l" defTabSz="914400" rtl="0" eaLnBrk="1" latinLnBrk="0" hangingPunct="1">
+              <a:lnSpc>
+                <a:spcPct val="90000"/>
+              </a:lnSpc>
+              <a:spcBef>
+                <a:spcPts val="500"/>
+              </a:spcBef>
+              <a:buFont typeface="Arial" panose="020B0604020202020204" pitchFamily="34" charset="0"/>
+              <a:buChar char="•"/>
+              <a:defRPr sz="1800" kern="1200">
+                <a:solidFill>
+                  <a:schemeClr val="tx1"/>
+                </a:solidFill>
+                <a:latin typeface="+mn-lt"/>
+                <a:ea typeface="+mn-ea"/>
+                <a:cs typeface="+mn-cs"/>
+              </a:defRPr>
+            </a:lvl6pPr>
+            <a:lvl7pPr marL="2971800" indent="-228600" algn="l" defTabSz="914400" rtl="0" eaLnBrk="1" latinLnBrk="0" hangingPunct="1">
+              <a:lnSpc>
+                <a:spcPct val="90000"/>
+              </a:lnSpc>
+              <a:spcBef>
+                <a:spcPts val="500"/>
+              </a:spcBef>
+              <a:buFont typeface="Arial" panose="020B0604020202020204" pitchFamily="34" charset="0"/>
+              <a:buChar char="•"/>
+              <a:defRPr sz="1800" kern="1200">
+                <a:solidFill>
+                  <a:schemeClr val="tx1"/>
+                </a:solidFill>
+                <a:latin typeface="+mn-lt"/>
+                <a:ea typeface="+mn-ea"/>
+                <a:cs typeface="+mn-cs"/>
+              </a:defRPr>
+            </a:lvl7pPr>
+            <a:lvl8pPr marL="3429000" indent="-228600" algn="l" defTabSz="914400" rtl="0" eaLnBrk="1" latinLnBrk="0" hangingPunct="1">
+              <a:lnSpc>
+                <a:spcPct val="90000"/>
+              </a:lnSpc>
+              <a:spcBef>
+                <a:spcPts val="500"/>
+              </a:spcBef>
+              <a:buFont typeface="Arial" panose="020B0604020202020204" pitchFamily="34" charset="0"/>
+              <a:buChar char="•"/>
+              <a:defRPr sz="1800" kern="1200">
+                <a:solidFill>
+                  <a:schemeClr val="tx1"/>
+                </a:solidFill>
+                <a:latin typeface="+mn-lt"/>
+                <a:ea typeface="+mn-ea"/>
+                <a:cs typeface="+mn-cs"/>
+              </a:defRPr>
+            </a:lvl8pPr>
+            <a:lvl9pPr marL="3886200" indent="-228600" algn="l" defTabSz="914400" rtl="0" eaLnBrk="1" latinLnBrk="0" hangingPunct="1">
+              <a:lnSpc>
+                <a:spcPct val="90000"/>
+              </a:lnSpc>
+              <a:spcBef>
+                <a:spcPts val="500"/>
+              </a:spcBef>
+              <a:buFont typeface="Arial" panose="020B0604020202020204" pitchFamily="34" charset="0"/>
+              <a:buChar char="•"/>
+              <a:defRPr sz="1800" kern="1200">
+                <a:solidFill>
+                  <a:schemeClr val="tx1"/>
+                </a:solidFill>
+                <a:latin typeface="+mn-lt"/>
+                <a:ea typeface="+mn-ea"/>
+                <a:cs typeface="+mn-cs"/>
+              </a:defRPr>
+            </a:lvl9pPr>
+          </a:lstStyle>
+          <a:p>
+            <a:pPr marL="0" indent="0">
+              <a:buFont typeface="Arial" panose="020B0604020202020204" pitchFamily="34" charset="0"/>
+              <a:buNone/>
+            </a:pPr>
+            <a:r>
+              <a:rPr lang="sv-SE" sz="1600" dirty="0">
+                <a:hlinkClick r:id="rId4"/>
+              </a:rPr>
+              <a:t>https://github.com/z3ph1/CleanCode-NET23/tree/master/assets/Slides%20(2024)/pdf/6-diff-tdd-bdd.pdf</a:t>
+            </a:r>
+            <a:endParaRPr lang="sv-SE" sz="1600" dirty="0"/>
           </a:p>
         </p:txBody>
       </p:sp>
@@ -4206,7 +4528,7 @@
         <p:cNvPr id="1" name="">
           <a:extLst>
             <a:ext uri="{FF2B5EF4-FFF2-40B4-BE49-F238E27FC236}">
-              <a16:creationId xmlns:a16="http://schemas.microsoft.com/office/drawing/2014/main" id="{0B0F891B-BEA8-B849-FACF-A224F5FBB9A6}"/>
+              <a16:creationId xmlns:a16="http://schemas.microsoft.com/office/drawing/2014/main" id="{D82D4D06-962E-96F4-124B-9FA6D660E0B2}"/>
             </a:ext>
           </a:extLst>
         </p:cNvPr>
@@ -4226,7 +4548,7 @@
           <p:cNvPr id="4" name="Title 3">
             <a:extLst>
               <a:ext uri="{FF2B5EF4-FFF2-40B4-BE49-F238E27FC236}">
-                <a16:creationId xmlns:a16="http://schemas.microsoft.com/office/drawing/2014/main" id="{5A0800DD-4C62-E304-75A7-87A2A42DB4BA}"/>
+                <a16:creationId xmlns:a16="http://schemas.microsoft.com/office/drawing/2014/main" id="{DBED939C-2334-FB34-B0DB-3E47440EBF1E}"/>
               </a:ext>
             </a:extLst>
           </p:cNvPr>
@@ -4244,7 +4566,7 @@
           <a:p>
             <a:r>
               <a:rPr lang="sv-SE" dirty="0"/>
-              <a:t>Behaviour Driven Development</a:t>
+              <a:t>4. Design Patterns</a:t>
             </a:r>
             <a:endParaRPr lang="en-SE" dirty="0"/>
           </a:p>
@@ -4255,7 +4577,7 @@
           <p:cNvPr id="5" name="Content Placeholder 4">
             <a:extLst>
               <a:ext uri="{FF2B5EF4-FFF2-40B4-BE49-F238E27FC236}">
-                <a16:creationId xmlns:a16="http://schemas.microsoft.com/office/drawing/2014/main" id="{D708B081-F59D-563E-F9B7-83A5F06855B6}"/>
+                <a16:creationId xmlns:a16="http://schemas.microsoft.com/office/drawing/2014/main" id="{65FC54EE-03CA-71D1-E6E6-71FA7F9980D1}"/>
               </a:ext>
             </a:extLst>
           </p:cNvPr>
@@ -4278,7 +4600,7 @@
               <a:rPr lang="sv-SE" dirty="0">
                 <a:hlinkClick r:id="rId2"/>
               </a:rPr>
-              <a:t>https://github.com/z3ph1/CleanCode-NET23/tree/master/assets/Slides%20(2024)/pdf/5-bdd.pdf</a:t>
+              <a:t>https://github.com/z3ph1/CleanCode-NET23/tree/master/assets/Slides%20(2024)/pdf/7-design-patterns.pdf</a:t>
             </a:r>
             <a:endParaRPr lang="sv-SE" dirty="0"/>
           </a:p>
@@ -4287,7 +4609,7 @@
     </p:spTree>
     <p:extLst>
       <p:ext uri="{BB962C8B-B14F-4D97-AF65-F5344CB8AC3E}">
-        <p14:creationId xmlns:p14="http://schemas.microsoft.com/office/powerpoint/2010/main" val="2953203375"/>
+        <p14:creationId xmlns:p14="http://schemas.microsoft.com/office/powerpoint/2010/main" val="3085423088"/>
       </p:ext>
     </p:extLst>
   </p:cSld>

--- a/assets/Slides (2024)/pptx/1-clean-code.pptx
+++ b/assets/Slides (2024)/pptx/1-clean-code.pptx
@@ -253,7 +253,7 @@
           <a:p>
             <a:fld id="{D7148412-6EB1-4CDB-8883-593CA168A782}" type="datetimeFigureOut">
               <a:rPr lang="en-SE" smtClean="0"/>
-              <a:t>2024-10-28</a:t>
+              <a:t>2024-10-29</a:t>
             </a:fld>
             <a:endParaRPr lang="en-SE"/>
           </a:p>
@@ -423,7 +423,7 @@
           <a:p>
             <a:fld id="{D7148412-6EB1-4CDB-8883-593CA168A782}" type="datetimeFigureOut">
               <a:rPr lang="en-SE" smtClean="0"/>
-              <a:t>2024-10-28</a:t>
+              <a:t>2024-10-29</a:t>
             </a:fld>
             <a:endParaRPr lang="en-SE"/>
           </a:p>
@@ -603,7 +603,7 @@
           <a:p>
             <a:fld id="{D7148412-6EB1-4CDB-8883-593CA168A782}" type="datetimeFigureOut">
               <a:rPr lang="en-SE" smtClean="0"/>
-              <a:t>2024-10-28</a:t>
+              <a:t>2024-10-29</a:t>
             </a:fld>
             <a:endParaRPr lang="en-SE"/>
           </a:p>
@@ -773,7 +773,7 @@
           <a:p>
             <a:fld id="{D7148412-6EB1-4CDB-8883-593CA168A782}" type="datetimeFigureOut">
               <a:rPr lang="en-SE" smtClean="0"/>
-              <a:t>2024-10-28</a:t>
+              <a:t>2024-10-29</a:t>
             </a:fld>
             <a:endParaRPr lang="en-SE"/>
           </a:p>
@@ -1019,7 +1019,7 @@
           <a:p>
             <a:fld id="{D7148412-6EB1-4CDB-8883-593CA168A782}" type="datetimeFigureOut">
               <a:rPr lang="en-SE" smtClean="0"/>
-              <a:t>2024-10-28</a:t>
+              <a:t>2024-10-29</a:t>
             </a:fld>
             <a:endParaRPr lang="en-SE"/>
           </a:p>
@@ -1251,7 +1251,7 @@
           <a:p>
             <a:fld id="{D7148412-6EB1-4CDB-8883-593CA168A782}" type="datetimeFigureOut">
               <a:rPr lang="en-SE" smtClean="0"/>
-              <a:t>2024-10-28</a:t>
+              <a:t>2024-10-29</a:t>
             </a:fld>
             <a:endParaRPr lang="en-SE"/>
           </a:p>
@@ -1618,7 +1618,7 @@
           <a:p>
             <a:fld id="{D7148412-6EB1-4CDB-8883-593CA168A782}" type="datetimeFigureOut">
               <a:rPr lang="en-SE" smtClean="0"/>
-              <a:t>2024-10-28</a:t>
+              <a:t>2024-10-29</a:t>
             </a:fld>
             <a:endParaRPr lang="en-SE"/>
           </a:p>
@@ -1736,7 +1736,7 @@
           <a:p>
             <a:fld id="{D7148412-6EB1-4CDB-8883-593CA168A782}" type="datetimeFigureOut">
               <a:rPr lang="en-SE" smtClean="0"/>
-              <a:t>2024-10-28</a:t>
+              <a:t>2024-10-29</a:t>
             </a:fld>
             <a:endParaRPr lang="en-SE"/>
           </a:p>
@@ -1831,7 +1831,7 @@
           <a:p>
             <a:fld id="{D7148412-6EB1-4CDB-8883-593CA168A782}" type="datetimeFigureOut">
               <a:rPr lang="en-SE" smtClean="0"/>
-              <a:t>2024-10-28</a:t>
+              <a:t>2024-10-29</a:t>
             </a:fld>
             <a:endParaRPr lang="en-SE"/>
           </a:p>
@@ -2108,7 +2108,7 @@
           <a:p>
             <a:fld id="{D7148412-6EB1-4CDB-8883-593CA168A782}" type="datetimeFigureOut">
               <a:rPr lang="en-SE" smtClean="0"/>
-              <a:t>2024-10-28</a:t>
+              <a:t>2024-10-29</a:t>
             </a:fld>
             <a:endParaRPr lang="en-SE"/>
           </a:p>
@@ -2365,7 +2365,7 @@
           <a:p>
             <a:fld id="{D7148412-6EB1-4CDB-8883-593CA168A782}" type="datetimeFigureOut">
               <a:rPr lang="en-SE" smtClean="0"/>
-              <a:t>2024-10-28</a:t>
+              <a:t>2024-10-29</a:t>
             </a:fld>
             <a:endParaRPr lang="en-SE"/>
           </a:p>
@@ -2578,7 +2578,7 @@
           <a:p>
             <a:fld id="{D7148412-6EB1-4CDB-8883-593CA168A782}" type="datetimeFigureOut">
               <a:rPr lang="en-SE" smtClean="0"/>
-              <a:t>2024-10-28</a:t>
+              <a:t>2024-10-29</a:t>
             </a:fld>
             <a:endParaRPr lang="en-SE"/>
           </a:p>
@@ -3112,7 +3112,19 @@
               <a:rPr lang="sv-SE" dirty="0">
                 <a:hlinkClick r:id="rId2"/>
               </a:rPr>
-              <a:t>https://github.com/z3ph1/CleanCode-NET23/tree/master/assets/Slides%20(2024)/pdf/8-micro-services-soa.pdf</a:t>
+              <a:t>https://github.com/z3ph1/CleanCode-NET23/tree/master/assets/Slides%20(2024)/</a:t>
+            </a:r>
+            <a:r>
+              <a:rPr lang="sv-SE">
+                <a:hlinkClick r:id="rId2"/>
+              </a:rPr>
+              <a:t>pdf/6-micro-services-soa</a:t>
+            </a:r>
+            <a:r>
+              <a:rPr lang="sv-SE" dirty="0">
+                <a:hlinkClick r:id="rId2"/>
+              </a:rPr>
+              <a:t>.pdf</a:t>
             </a:r>
             <a:endParaRPr lang="sv-SE" dirty="0"/>
           </a:p>
@@ -3779,7 +3791,7 @@
               <a:rPr lang="sv-SE" dirty="0">
                 <a:hlinkClick r:id="rId2"/>
               </a:rPr>
-              <a:t>https://github.com/z3ph1/CleanCode-NET23/tree/master/assets/Slides%20(2024)/pdf/2-name-conventions.pdf</a:t>
+              <a:t>https://github.com/z3ph1/CleanCode-NET23/tree/master/assets/Slides%20(2024)/pdf/1-name-conventions.pdf</a:t>
             </a:r>
             <a:endParaRPr lang="sv-SE" dirty="0"/>
           </a:p>
@@ -3878,7 +3890,7 @@
               <a:rPr lang="sv-SE" dirty="0">
                 <a:hlinkClick r:id="rId2"/>
               </a:rPr>
-              <a:t>https://github.com/z3ph1/CleanCode-NET23/tree/master/assets/Slides%20(2024)/pdf/3-design-principles.pdf</a:t>
+              <a:t>https://github.com/z3ph1/CleanCode-NET23/tree/master/assets/Slides%20(2024)/pdf/2-design-principles.pdf</a:t>
             </a:r>
             <a:endParaRPr lang="sv-SE" dirty="0"/>
           </a:p>
@@ -3979,7 +3991,7 @@
               <a:rPr lang="sv-SE" sz="1800" dirty="0">
                 <a:hlinkClick r:id="rId2"/>
               </a:rPr>
-              <a:t>https://github.com/z3ph1/CleanCode-NET23/tree/master/assets/Slides%20(2024)/pdf/4-tdd.pdf</a:t>
+              <a:t>https://github.com/z3ph1/CleanCode-NET23/tree/master/assets/Slides%20(2024)/pdf/3-tdd.pdf</a:t>
             </a:r>
             <a:endParaRPr lang="sv-SE" sz="1800" dirty="0"/>
           </a:p>
@@ -4240,7 +4252,7 @@
               <a:rPr lang="sv-SE" sz="1800" dirty="0">
                 <a:hlinkClick r:id="rId3"/>
               </a:rPr>
-              <a:t>https://github.com/z3ph1/CleanCode-NET23/tree/master/assets/Slides%20(2024)/pdf/5-bdd.pdf</a:t>
+              <a:t>https://github.com/z3ph1/CleanCode-NET23/tree/master/assets/Slides%20(2024)/pdf/3-bdd.pdf</a:t>
             </a:r>
             <a:endParaRPr lang="sv-SE" sz="1800" dirty="0"/>
           </a:p>
@@ -4501,7 +4513,7 @@
               <a:rPr lang="sv-SE" sz="1600" dirty="0">
                 <a:hlinkClick r:id="rId4"/>
               </a:rPr>
-              <a:t>https://github.com/z3ph1/CleanCode-NET23/tree/master/assets/Slides%20(2024)/pdf/6-diff-tdd-bdd.pdf</a:t>
+              <a:t>https://github.com/z3ph1/CleanCode-NET23/tree/master/assets/Slides%20(2024)/pdf/3-diff-tdd-bdd.pdf</a:t>
             </a:r>
             <a:endParaRPr lang="sv-SE" sz="1600" dirty="0"/>
           </a:p>
@@ -4600,7 +4612,7 @@
               <a:rPr lang="sv-SE" dirty="0">
                 <a:hlinkClick r:id="rId2"/>
               </a:rPr>
-              <a:t>https://github.com/z3ph1/CleanCode-NET23/tree/master/assets/Slides%20(2024)/pdf/7-design-patterns.pdf</a:t>
+              <a:t>https://github.com/z3ph1/CleanCode-NET23/tree/master/assets/Slides%20(2024)/pdf/4-design-patterns.pdf</a:t>
             </a:r>
             <a:endParaRPr lang="sv-SE" dirty="0"/>
           </a:p>
